--- a/Projeto Integrador/ONG – Conexão de pessoas com dicção.pptx
+++ b/Projeto Integrador/ONG – Conexão de pessoas com dicção.pptx
@@ -112,6 +112,11 @@
       </a:defRPr>
     </a:lvl9pPr>
   </p:defaultTextStyle>
+  <p:extLst>
+    <p:ext uri="{EFAFB233-063F-42B5-8137-9DF3F51BA10A}">
+      <p15:sldGuideLst xmlns:p15="http://schemas.microsoft.com/office/powerpoint/2012/main"/>
+    </p:ext>
+  </p:extLst>
 </p:presentation>
 </file>
 
@@ -121,359 +126,6 @@
     <p1510:client id="{213665A1-7E7D-4ABE-AF00-CE3315DB89F3}" v="22" dt="2025-07-09T01:09:07.668"/>
   </p1510:revLst>
 </p1510:revInfo>
-</file>
-
-<file path=ppt/changesInfos/changesInfo1.xml><?xml version="1.0" encoding="utf-8"?>
-<pc:chgInfo xmlns:a="http://schemas.openxmlformats.org/drawingml/2006/main" xmlns:r="http://schemas.openxmlformats.org/officeDocument/2006/relationships" xmlns:ac="http://schemas.microsoft.com/office/drawing/2013/main/command" xmlns:pc="http://schemas.microsoft.com/office/powerpoint/2013/main/command">
-  <pc:docChgLst>
-    <pc:chgData name="JESSICA FERNANDA MARTINS" userId="9d0084fd-771e-42da-a817-d11db43753e7" providerId="ADAL" clId="{213665A1-7E7D-4ABE-AF00-CE3315DB89F3}"/>
-    <pc:docChg chg="undo custSel addSld modSld">
-      <pc:chgData name="JESSICA FERNANDA MARTINS" userId="9d0084fd-771e-42da-a817-d11db43753e7" providerId="ADAL" clId="{213665A1-7E7D-4ABE-AF00-CE3315DB89F3}" dt="2025-07-09T01:09:36.345" v="569" actId="1076"/>
-      <pc:docMkLst>
-        <pc:docMk/>
-      </pc:docMkLst>
-      <pc:sldChg chg="modSp">
-        <pc:chgData name="JESSICA FERNANDA MARTINS" userId="9d0084fd-771e-42da-a817-d11db43753e7" providerId="ADAL" clId="{213665A1-7E7D-4ABE-AF00-CE3315DB89F3}" dt="2025-07-09T01:06:15.989" v="341" actId="478"/>
-        <pc:sldMkLst>
-          <pc:docMk/>
-          <pc:sldMk cId="2268121028" sldId="257"/>
-        </pc:sldMkLst>
-        <pc:graphicFrameChg chg="mod">
-          <ac:chgData name="JESSICA FERNANDA MARTINS" userId="9d0084fd-771e-42da-a817-d11db43753e7" providerId="ADAL" clId="{213665A1-7E7D-4ABE-AF00-CE3315DB89F3}" dt="2025-07-09T01:06:15.989" v="341" actId="478"/>
-          <ac:graphicFrameMkLst>
-            <pc:docMk/>
-            <pc:sldMk cId="2268121028" sldId="257"/>
-            <ac:graphicFrameMk id="6" creationId="{1A282745-0197-5304-1002-E0B9E68D3227}"/>
-          </ac:graphicFrameMkLst>
-        </pc:graphicFrameChg>
-      </pc:sldChg>
-      <pc:sldChg chg="modSp">
-        <pc:chgData name="JESSICA FERNANDA MARTINS" userId="9d0084fd-771e-42da-a817-d11db43753e7" providerId="ADAL" clId="{213665A1-7E7D-4ABE-AF00-CE3315DB89F3}" dt="2025-07-09T01:06:42.851" v="343" actId="478"/>
-        <pc:sldMkLst>
-          <pc:docMk/>
-          <pc:sldMk cId="747627612" sldId="258"/>
-        </pc:sldMkLst>
-        <pc:graphicFrameChg chg="mod">
-          <ac:chgData name="JESSICA FERNANDA MARTINS" userId="9d0084fd-771e-42da-a817-d11db43753e7" providerId="ADAL" clId="{213665A1-7E7D-4ABE-AF00-CE3315DB89F3}" dt="2025-07-09T01:06:42.851" v="343" actId="478"/>
-          <ac:graphicFrameMkLst>
-            <pc:docMk/>
-            <pc:sldMk cId="747627612" sldId="258"/>
-            <ac:graphicFrameMk id="9" creationId="{4D28FB7E-A112-940E-3E70-04F0354BE601}"/>
-          </ac:graphicFrameMkLst>
-        </pc:graphicFrameChg>
-      </pc:sldChg>
-      <pc:sldChg chg="addSp delSp modSp new mod">
-        <pc:chgData name="JESSICA FERNANDA MARTINS" userId="9d0084fd-771e-42da-a817-d11db43753e7" providerId="ADAL" clId="{213665A1-7E7D-4ABE-AF00-CE3315DB89F3}" dt="2025-07-09T01:01:15.503" v="179" actId="1076"/>
-        <pc:sldMkLst>
-          <pc:docMk/>
-          <pc:sldMk cId="2522401632" sldId="262"/>
-        </pc:sldMkLst>
-        <pc:spChg chg="del">
-          <ac:chgData name="JESSICA FERNANDA MARTINS" userId="9d0084fd-771e-42da-a817-d11db43753e7" providerId="ADAL" clId="{213665A1-7E7D-4ABE-AF00-CE3315DB89F3}" dt="2025-07-09T00:58:31.271" v="1" actId="478"/>
-          <ac:spMkLst>
-            <pc:docMk/>
-            <pc:sldMk cId="2522401632" sldId="262"/>
-            <ac:spMk id="2" creationId="{BCC983AC-B0D4-0DC8-AF9A-6D9B1A32C509}"/>
-          </ac:spMkLst>
-        </pc:spChg>
-        <pc:spChg chg="del">
-          <ac:chgData name="JESSICA FERNANDA MARTINS" userId="9d0084fd-771e-42da-a817-d11db43753e7" providerId="ADAL" clId="{213665A1-7E7D-4ABE-AF00-CE3315DB89F3}" dt="2025-07-09T00:58:34.026" v="2" actId="478"/>
-          <ac:spMkLst>
-            <pc:docMk/>
-            <pc:sldMk cId="2522401632" sldId="262"/>
-            <ac:spMk id="3" creationId="{C045B362-0473-14BB-ABE9-B186BE1BC1FC}"/>
-          </ac:spMkLst>
-        </pc:spChg>
-        <pc:spChg chg="add mod">
-          <ac:chgData name="JESSICA FERNANDA MARTINS" userId="9d0084fd-771e-42da-a817-d11db43753e7" providerId="ADAL" clId="{213665A1-7E7D-4ABE-AF00-CE3315DB89F3}" dt="2025-07-09T00:58:34.452" v="3"/>
-          <ac:spMkLst>
-            <pc:docMk/>
-            <pc:sldMk cId="2522401632" sldId="262"/>
-            <ac:spMk id="5" creationId="{D3096BA2-A7A3-5858-44CA-07DE6FC4C991}"/>
-          </ac:spMkLst>
-        </pc:spChg>
-        <pc:spChg chg="add mod">
-          <ac:chgData name="JESSICA FERNANDA MARTINS" userId="9d0084fd-771e-42da-a817-d11db43753e7" providerId="ADAL" clId="{213665A1-7E7D-4ABE-AF00-CE3315DB89F3}" dt="2025-07-09T00:58:34.452" v="3"/>
-          <ac:spMkLst>
-            <pc:docMk/>
-            <pc:sldMk cId="2522401632" sldId="262"/>
-            <ac:spMk id="6" creationId="{516C6E08-2B47-FCF8-2789-79143070EEF0}"/>
-          </ac:spMkLst>
-        </pc:spChg>
-        <pc:spChg chg="add mod">
-          <ac:chgData name="JESSICA FERNANDA MARTINS" userId="9d0084fd-771e-42da-a817-d11db43753e7" providerId="ADAL" clId="{213665A1-7E7D-4ABE-AF00-CE3315DB89F3}" dt="2025-07-09T00:58:50.076" v="22" actId="14100"/>
-          <ac:spMkLst>
-            <pc:docMk/>
-            <pc:sldMk cId="2522401632" sldId="262"/>
-            <ac:spMk id="7" creationId="{BC68D82E-2D30-E047-E0FB-FE747F174269}"/>
-          </ac:spMkLst>
-        </pc:spChg>
-        <pc:spChg chg="add mod">
-          <ac:chgData name="JESSICA FERNANDA MARTINS" userId="9d0084fd-771e-42da-a817-d11db43753e7" providerId="ADAL" clId="{213665A1-7E7D-4ABE-AF00-CE3315DB89F3}" dt="2025-07-09T00:59:16.418" v="53" actId="20577"/>
-          <ac:spMkLst>
-            <pc:docMk/>
-            <pc:sldMk cId="2522401632" sldId="262"/>
-            <ac:spMk id="9" creationId="{AF348047-1422-9B21-5063-190FCE7B0551}"/>
-          </ac:spMkLst>
-        </pc:spChg>
-        <pc:spChg chg="add mod">
-          <ac:chgData name="JESSICA FERNANDA MARTINS" userId="9d0084fd-771e-42da-a817-d11db43753e7" providerId="ADAL" clId="{213665A1-7E7D-4ABE-AF00-CE3315DB89F3}" dt="2025-07-09T00:59:27.406" v="72" actId="20577"/>
-          <ac:spMkLst>
-            <pc:docMk/>
-            <pc:sldMk cId="2522401632" sldId="262"/>
-            <ac:spMk id="10" creationId="{9C0FBDC9-FD00-8E59-4D8F-FEE3F8BB0AF3}"/>
-          </ac:spMkLst>
-        </pc:spChg>
-        <pc:spChg chg="add mod">
-          <ac:chgData name="JESSICA FERNANDA MARTINS" userId="9d0084fd-771e-42da-a817-d11db43753e7" providerId="ADAL" clId="{213665A1-7E7D-4ABE-AF00-CE3315DB89F3}" dt="2025-07-09T01:00:31.912" v="142" actId="20577"/>
-          <ac:spMkLst>
-            <pc:docMk/>
-            <pc:sldMk cId="2522401632" sldId="262"/>
-            <ac:spMk id="11" creationId="{1368AF96-FA7F-4E7B-E69F-7D9297D24DBC}"/>
-          </ac:spMkLst>
-        </pc:spChg>
-        <pc:spChg chg="add mod">
-          <ac:chgData name="JESSICA FERNANDA MARTINS" userId="9d0084fd-771e-42da-a817-d11db43753e7" providerId="ADAL" clId="{213665A1-7E7D-4ABE-AF00-CE3315DB89F3}" dt="2025-07-09T01:01:15.503" v="179" actId="1076"/>
-          <ac:spMkLst>
-            <pc:docMk/>
-            <pc:sldMk cId="2522401632" sldId="262"/>
-            <ac:spMk id="12" creationId="{058FD5AB-0677-6802-7BE0-A73401E30AF1}"/>
-          </ac:spMkLst>
-        </pc:spChg>
-        <pc:grpChg chg="add mod">
-          <ac:chgData name="JESSICA FERNANDA MARTINS" userId="9d0084fd-771e-42da-a817-d11db43753e7" providerId="ADAL" clId="{213665A1-7E7D-4ABE-AF00-CE3315DB89F3}" dt="2025-07-09T00:58:36.443" v="4" actId="1076"/>
-          <ac:grpSpMkLst>
-            <pc:docMk/>
-            <pc:sldMk cId="2522401632" sldId="262"/>
-            <ac:grpSpMk id="4" creationId="{E1BF28D5-5863-B746-F477-29B061BF49B2}"/>
-          </ac:grpSpMkLst>
-        </pc:grpChg>
-        <pc:picChg chg="add mod">
-          <ac:chgData name="JESSICA FERNANDA MARTINS" userId="9d0084fd-771e-42da-a817-d11db43753e7" providerId="ADAL" clId="{213665A1-7E7D-4ABE-AF00-CE3315DB89F3}" dt="2025-07-09T00:59:02.518" v="25" actId="1076"/>
-          <ac:picMkLst>
-            <pc:docMk/>
-            <pc:sldMk cId="2522401632" sldId="262"/>
-            <ac:picMk id="8" creationId="{BAF5196B-A206-3689-E20C-EDB602684309}"/>
-          </ac:picMkLst>
-        </pc:picChg>
-      </pc:sldChg>
-      <pc:sldChg chg="addSp delSp modSp new mod">
-        <pc:chgData name="JESSICA FERNANDA MARTINS" userId="9d0084fd-771e-42da-a817-d11db43753e7" providerId="ADAL" clId="{213665A1-7E7D-4ABE-AF00-CE3315DB89F3}" dt="2025-07-09T01:05:53.349" v="340" actId="478"/>
-        <pc:sldMkLst>
-          <pc:docMk/>
-          <pc:sldMk cId="3157482164" sldId="263"/>
-        </pc:sldMkLst>
-        <pc:spChg chg="del">
-          <ac:chgData name="JESSICA FERNANDA MARTINS" userId="9d0084fd-771e-42da-a817-d11db43753e7" providerId="ADAL" clId="{213665A1-7E7D-4ABE-AF00-CE3315DB89F3}" dt="2025-07-09T01:01:46.668" v="181" actId="478"/>
-          <ac:spMkLst>
-            <pc:docMk/>
-            <pc:sldMk cId="3157482164" sldId="263"/>
-            <ac:spMk id="2" creationId="{071068C2-FA94-B5FA-75CD-68393B3154F8}"/>
-          </ac:spMkLst>
-        </pc:spChg>
-        <pc:spChg chg="del mod">
-          <ac:chgData name="JESSICA FERNANDA MARTINS" userId="9d0084fd-771e-42da-a817-d11db43753e7" providerId="ADAL" clId="{213665A1-7E7D-4ABE-AF00-CE3315DB89F3}" dt="2025-07-09T01:01:51.649" v="183" actId="478"/>
-          <ac:spMkLst>
-            <pc:docMk/>
-            <pc:sldMk cId="3157482164" sldId="263"/>
-            <ac:spMk id="3" creationId="{5776C6CF-CA8B-F364-E9D8-AB1769370331}"/>
-          </ac:spMkLst>
-        </pc:spChg>
-        <pc:spChg chg="add mod">
-          <ac:chgData name="JESSICA FERNANDA MARTINS" userId="9d0084fd-771e-42da-a817-d11db43753e7" providerId="ADAL" clId="{213665A1-7E7D-4ABE-AF00-CE3315DB89F3}" dt="2025-07-09T01:02:05.553" v="184"/>
-          <ac:spMkLst>
-            <pc:docMk/>
-            <pc:sldMk cId="3157482164" sldId="263"/>
-            <ac:spMk id="5" creationId="{FB88C045-07C3-41A2-6866-2239C4D5247B}"/>
-          </ac:spMkLst>
-        </pc:spChg>
-        <pc:spChg chg="add mod">
-          <ac:chgData name="JESSICA FERNANDA MARTINS" userId="9d0084fd-771e-42da-a817-d11db43753e7" providerId="ADAL" clId="{213665A1-7E7D-4ABE-AF00-CE3315DB89F3}" dt="2025-07-09T01:02:13.021" v="187" actId="1076"/>
-          <ac:spMkLst>
-            <pc:docMk/>
-            <pc:sldMk cId="3157482164" sldId="263"/>
-            <ac:spMk id="6" creationId="{2C0612D4-6C22-840D-895E-42F14BE17361}"/>
-          </ac:spMkLst>
-        </pc:spChg>
-        <pc:spChg chg="add mod">
-          <ac:chgData name="JESSICA FERNANDA MARTINS" userId="9d0084fd-771e-42da-a817-d11db43753e7" providerId="ADAL" clId="{213665A1-7E7D-4ABE-AF00-CE3315DB89F3}" dt="2025-07-09T01:02:14.955" v="188"/>
-          <ac:spMkLst>
-            <pc:docMk/>
-            <pc:sldMk cId="3157482164" sldId="263"/>
-            <ac:spMk id="8" creationId="{AE3E6339-2F17-859F-A19F-0D81FEBF1824}"/>
-          </ac:spMkLst>
-        </pc:spChg>
-        <pc:spChg chg="add mod">
-          <ac:chgData name="JESSICA FERNANDA MARTINS" userId="9d0084fd-771e-42da-a817-d11db43753e7" providerId="ADAL" clId="{213665A1-7E7D-4ABE-AF00-CE3315DB89F3}" dt="2025-07-09T01:02:14.955" v="188"/>
-          <ac:spMkLst>
-            <pc:docMk/>
-            <pc:sldMk cId="3157482164" sldId="263"/>
-            <ac:spMk id="9" creationId="{3C0A929A-79FF-201F-D5A4-C47B308B7E33}"/>
-          </ac:spMkLst>
-        </pc:spChg>
-        <pc:spChg chg="add mod">
-          <ac:chgData name="JESSICA FERNANDA MARTINS" userId="9d0084fd-771e-42da-a817-d11db43753e7" providerId="ADAL" clId="{213665A1-7E7D-4ABE-AF00-CE3315DB89F3}" dt="2025-07-09T01:02:16.168" v="189"/>
-          <ac:spMkLst>
-            <pc:docMk/>
-            <pc:sldMk cId="3157482164" sldId="263"/>
-            <ac:spMk id="11" creationId="{9D756F28-8481-AD1C-F3C1-3DC9EF61ECC5}"/>
-          </ac:spMkLst>
-        </pc:spChg>
-        <pc:spChg chg="add mod">
-          <ac:chgData name="JESSICA FERNANDA MARTINS" userId="9d0084fd-771e-42da-a817-d11db43753e7" providerId="ADAL" clId="{213665A1-7E7D-4ABE-AF00-CE3315DB89F3}" dt="2025-07-09T01:02:16.168" v="189"/>
-          <ac:spMkLst>
-            <pc:docMk/>
-            <pc:sldMk cId="3157482164" sldId="263"/>
-            <ac:spMk id="12" creationId="{93E5F40D-04BC-32C3-80E1-DFC9018759C9}"/>
-          </ac:spMkLst>
-        </pc:spChg>
-        <pc:spChg chg="add del mod">
-          <ac:chgData name="JESSICA FERNANDA MARTINS" userId="9d0084fd-771e-42da-a817-d11db43753e7" providerId="ADAL" clId="{213665A1-7E7D-4ABE-AF00-CE3315DB89F3}" dt="2025-07-09T01:04:53.819" v="283" actId="478"/>
-          <ac:spMkLst>
-            <pc:docMk/>
-            <pc:sldMk cId="3157482164" sldId="263"/>
-            <ac:spMk id="13" creationId="{BFACFF17-FB6A-F3D6-6056-D52B2DBB8D02}"/>
-          </ac:spMkLst>
-        </pc:spChg>
-        <pc:spChg chg="add del mod">
-          <ac:chgData name="JESSICA FERNANDA MARTINS" userId="9d0084fd-771e-42da-a817-d11db43753e7" providerId="ADAL" clId="{213665A1-7E7D-4ABE-AF00-CE3315DB89F3}" dt="2025-07-09T01:05:53.349" v="340" actId="478"/>
-          <ac:spMkLst>
-            <pc:docMk/>
-            <pc:sldMk cId="3157482164" sldId="263"/>
-            <ac:spMk id="14" creationId="{2CE8CCA9-0329-B5A5-A986-4352230CE7C8}"/>
-          </ac:spMkLst>
-        </pc:spChg>
-        <pc:spChg chg="add del mod">
-          <ac:chgData name="JESSICA FERNANDA MARTINS" userId="9d0084fd-771e-42da-a817-d11db43753e7" providerId="ADAL" clId="{213665A1-7E7D-4ABE-AF00-CE3315DB89F3}" dt="2025-07-09T01:04:30.845" v="273"/>
-          <ac:spMkLst>
-            <pc:docMk/>
-            <pc:sldMk cId="3157482164" sldId="263"/>
-            <ac:spMk id="15" creationId="{6ED7E7D8-66F9-E43A-BC20-63EC1066BF11}"/>
-          </ac:spMkLst>
-        </pc:spChg>
-        <pc:spChg chg="add mod">
-          <ac:chgData name="JESSICA FERNANDA MARTINS" userId="9d0084fd-771e-42da-a817-d11db43753e7" providerId="ADAL" clId="{213665A1-7E7D-4ABE-AF00-CE3315DB89F3}" dt="2025-07-09T01:05:44.519" v="338" actId="1076"/>
-          <ac:spMkLst>
-            <pc:docMk/>
-            <pc:sldMk cId="3157482164" sldId="263"/>
-            <ac:spMk id="20" creationId="{15A679FA-BFD7-9F74-15C4-F570A60F50B6}"/>
-          </ac:spMkLst>
-        </pc:spChg>
-        <pc:grpChg chg="add mod">
-          <ac:chgData name="JESSICA FERNANDA MARTINS" userId="9d0084fd-771e-42da-a817-d11db43753e7" providerId="ADAL" clId="{213665A1-7E7D-4ABE-AF00-CE3315DB89F3}" dt="2025-07-09T01:02:22.811" v="192" actId="1076"/>
-          <ac:grpSpMkLst>
-            <pc:docMk/>
-            <pc:sldMk cId="3157482164" sldId="263"/>
-            <ac:grpSpMk id="4" creationId="{D498E0A7-92FF-BCCE-2D9F-3C80D13612A1}"/>
-          </ac:grpSpMkLst>
-        </pc:grpChg>
-        <pc:grpChg chg="add mod">
-          <ac:chgData name="JESSICA FERNANDA MARTINS" userId="9d0084fd-771e-42da-a817-d11db43753e7" providerId="ADAL" clId="{213665A1-7E7D-4ABE-AF00-CE3315DB89F3}" dt="2025-07-09T01:02:14.955" v="188"/>
-          <ac:grpSpMkLst>
-            <pc:docMk/>
-            <pc:sldMk cId="3157482164" sldId="263"/>
-            <ac:grpSpMk id="7" creationId="{DB7A2B93-6736-75A6-B8E0-5E22F3F94E23}"/>
-          </ac:grpSpMkLst>
-        </pc:grpChg>
-        <pc:grpChg chg="add mod">
-          <ac:chgData name="JESSICA FERNANDA MARTINS" userId="9d0084fd-771e-42da-a817-d11db43753e7" providerId="ADAL" clId="{213665A1-7E7D-4ABE-AF00-CE3315DB89F3}" dt="2025-07-09T01:02:21.327" v="191" actId="1076"/>
-          <ac:grpSpMkLst>
-            <pc:docMk/>
-            <pc:sldMk cId="3157482164" sldId="263"/>
-            <ac:grpSpMk id="10" creationId="{F6CC859D-3091-8334-4CEE-0A6F33F12E2D}"/>
-          </ac:grpSpMkLst>
-        </pc:grpChg>
-        <pc:picChg chg="add mod">
-          <ac:chgData name="JESSICA FERNANDA MARTINS" userId="9d0084fd-771e-42da-a817-d11db43753e7" providerId="ADAL" clId="{213665A1-7E7D-4ABE-AF00-CE3315DB89F3}" dt="2025-07-09T01:04:04.473" v="271" actId="1076"/>
-          <ac:picMkLst>
-            <pc:docMk/>
-            <pc:sldMk cId="3157482164" sldId="263"/>
-            <ac:picMk id="17" creationId="{029FF49B-0768-FF5B-67D9-3542A1BACC4C}"/>
-          </ac:picMkLst>
-        </pc:picChg>
-        <pc:picChg chg="add mod">
-          <ac:chgData name="JESSICA FERNANDA MARTINS" userId="9d0084fd-771e-42da-a817-d11db43753e7" providerId="ADAL" clId="{213665A1-7E7D-4ABE-AF00-CE3315DB89F3}" dt="2025-07-09T01:04:56.317" v="284" actId="1076"/>
-          <ac:picMkLst>
-            <pc:docMk/>
-            <pc:sldMk cId="3157482164" sldId="263"/>
-            <ac:picMk id="19" creationId="{6759D29E-63E1-BB95-2B4A-9A594D585881}"/>
-          </ac:picMkLst>
-        </pc:picChg>
-      </pc:sldChg>
-      <pc:sldChg chg="addSp delSp modSp new mod">
-        <pc:chgData name="JESSICA FERNANDA MARTINS" userId="9d0084fd-771e-42da-a817-d11db43753e7" providerId="ADAL" clId="{213665A1-7E7D-4ABE-AF00-CE3315DB89F3}" dt="2025-07-09T01:09:36.345" v="569" actId="1076"/>
-        <pc:sldMkLst>
-          <pc:docMk/>
-          <pc:sldMk cId="1603906057" sldId="264"/>
-        </pc:sldMkLst>
-        <pc:spChg chg="del">
-          <ac:chgData name="JESSICA FERNANDA MARTINS" userId="9d0084fd-771e-42da-a817-d11db43753e7" providerId="ADAL" clId="{213665A1-7E7D-4ABE-AF00-CE3315DB89F3}" dt="2025-07-09T01:07:09.086" v="345" actId="478"/>
-          <ac:spMkLst>
-            <pc:docMk/>
-            <pc:sldMk cId="1603906057" sldId="264"/>
-            <ac:spMk id="2" creationId="{578B516F-B2AC-4724-9F68-DEDFCC3B9FB2}"/>
-          </ac:spMkLst>
-        </pc:spChg>
-        <pc:spChg chg="del">
-          <ac:chgData name="JESSICA FERNANDA MARTINS" userId="9d0084fd-771e-42da-a817-d11db43753e7" providerId="ADAL" clId="{213665A1-7E7D-4ABE-AF00-CE3315DB89F3}" dt="2025-07-09T01:07:09.857" v="346" actId="478"/>
-          <ac:spMkLst>
-            <pc:docMk/>
-            <pc:sldMk cId="1603906057" sldId="264"/>
-            <ac:spMk id="3" creationId="{BFA1EE42-6D55-83FA-7722-6815BC23B7B9}"/>
-          </ac:spMkLst>
-        </pc:spChg>
-        <pc:spChg chg="add mod">
-          <ac:chgData name="JESSICA FERNANDA MARTINS" userId="9d0084fd-771e-42da-a817-d11db43753e7" providerId="ADAL" clId="{213665A1-7E7D-4ABE-AF00-CE3315DB89F3}" dt="2025-07-09T01:07:53.919" v="483" actId="122"/>
-          <ac:spMkLst>
-            <pc:docMk/>
-            <pc:sldMk cId="1603906057" sldId="264"/>
-            <ac:spMk id="4" creationId="{5B61E87B-7580-D002-28BD-09E7548D4B2D}"/>
-          </ac:spMkLst>
-        </pc:spChg>
-        <pc:spChg chg="add mod">
-          <ac:chgData name="JESSICA FERNANDA MARTINS" userId="9d0084fd-771e-42da-a817-d11db43753e7" providerId="ADAL" clId="{213665A1-7E7D-4ABE-AF00-CE3315DB89F3}" dt="2025-07-09T01:08:23.435" v="489" actId="255"/>
-          <ac:spMkLst>
-            <pc:docMk/>
-            <pc:sldMk cId="1603906057" sldId="264"/>
-            <ac:spMk id="5" creationId="{798A230F-87C5-CEE3-F6BB-5D6A2738D6C2}"/>
-          </ac:spMkLst>
-        </pc:spChg>
-        <pc:spChg chg="add del">
-          <ac:chgData name="JESSICA FERNANDA MARTINS" userId="9d0084fd-771e-42da-a817-d11db43753e7" providerId="ADAL" clId="{213665A1-7E7D-4ABE-AF00-CE3315DB89F3}" dt="2025-07-09T01:08:09.061" v="487" actId="11529"/>
-          <ac:spMkLst>
-            <pc:docMk/>
-            <pc:sldMk cId="1603906057" sldId="264"/>
-            <ac:spMk id="6" creationId="{2D1D3161-3814-3E69-89A2-A1939A295F2D}"/>
-          </ac:spMkLst>
-        </pc:spChg>
-        <pc:spChg chg="add mod">
-          <ac:chgData name="JESSICA FERNANDA MARTINS" userId="9d0084fd-771e-42da-a817-d11db43753e7" providerId="ADAL" clId="{213665A1-7E7D-4ABE-AF00-CE3315DB89F3}" dt="2025-07-09T01:08:37.610" v="529" actId="20577"/>
-          <ac:spMkLst>
-            <pc:docMk/>
-            <pc:sldMk cId="1603906057" sldId="264"/>
-            <ac:spMk id="7" creationId="{29B7090B-BE08-1175-355A-7EF5E6F7DF48}"/>
-          </ac:spMkLst>
-        </pc:spChg>
-        <pc:spChg chg="add mod">
-          <ac:chgData name="JESSICA FERNANDA MARTINS" userId="9d0084fd-771e-42da-a817-d11db43753e7" providerId="ADAL" clId="{213665A1-7E7D-4ABE-AF00-CE3315DB89F3}" dt="2025-07-09T01:09:02.933" v="532" actId="1076"/>
-          <ac:spMkLst>
-            <pc:docMk/>
-            <pc:sldMk cId="1603906057" sldId="264"/>
-            <ac:spMk id="8" creationId="{9B7DAD8C-2E70-0EDD-81F4-1D08D7D49D0D}"/>
-          </ac:spMkLst>
-        </pc:spChg>
-        <pc:spChg chg="add mod">
-          <ac:chgData name="JESSICA FERNANDA MARTINS" userId="9d0084fd-771e-42da-a817-d11db43753e7" providerId="ADAL" clId="{213665A1-7E7D-4ABE-AF00-CE3315DB89F3}" dt="2025-07-09T01:09:36.345" v="569" actId="1076"/>
-          <ac:spMkLst>
-            <pc:docMk/>
-            <pc:sldMk cId="1603906057" sldId="264"/>
-            <ac:spMk id="9" creationId="{8E8FCA3D-A758-5BDE-C8C1-27EAFB7D7833}"/>
-          </ac:spMkLst>
-        </pc:spChg>
-      </pc:sldChg>
-    </pc:docChg>
-  </pc:docChgLst>
-</pc:chgInfo>
 </file>
 
 <file path=ppt/diagrams/colors1.xml><?xml version="1.0" encoding="utf-8"?>
